--- a/Lesson-04/EverythingJava004.pptx
+++ b/Lesson-04/EverythingJava004.pptx
@@ -122,7 +122,7 @@
   </p:defaultTextStyle>
   <p:extLst>
     <p:ext uri="{EFAFB233-063F-42B5-8137-9DF3F51BA10A}">
-      <p15:sldGuideLst xmlns:p15="http://schemas.microsoft.com/office/powerpoint/2012/main"/>
+      <p15:sldGuideLst xmlns:p15="http://schemas.microsoft.com/office/powerpoint/2012/main" xmlns=""/>
     </p:ext>
   </p:extLst>
 </p:presentation>
@@ -210,7 +210,7 @@
           <a:p>
             <a:fld id="{D0A894A4-6C29-B74C-A948-9848068279B9}" type="datetimeFigureOut">
               <a:rPr lang="en-US" smtClean="0"/>
-              <a:t>4/20/18</a:t>
+              <a:t>17/06/18</a:t>
             </a:fld>
             <a:endParaRPr lang="en-US"/>
           </a:p>
@@ -1222,7 +1222,7 @@
           <a:p>
             <a:fld id="{39BBC283-46C0-FC44-8E9A-2FEBB03BFF6D}" type="datetime1">
               <a:rPr lang="en-GB" smtClean="0"/>
-              <a:t>20/04/2018</a:t>
+              <a:t>17/06/18</a:t>
             </a:fld>
             <a:endParaRPr lang="en-US" dirty="0"/>
           </a:p>
@@ -1477,7 +1477,7 @@
           <a:p>
             <a:fld id="{798FEBE1-2B1A-8E40-9CFC-672A8EF11395}" type="datetime1">
               <a:rPr lang="en-GB" smtClean="0"/>
-              <a:t>20/04/2018</a:t>
+              <a:t>17/06/18</a:t>
             </a:fld>
             <a:endParaRPr lang="en-US" dirty="0"/>
           </a:p>
@@ -1796,7 +1796,7 @@
           <a:p>
             <a:fld id="{FD851525-F965-214E-AC91-C0BB757C1338}" type="datetime1">
               <a:rPr lang="en-GB" smtClean="0"/>
-              <a:t>20/04/2018</a:t>
+              <a:t>17/06/18</a:t>
             </a:fld>
             <a:endParaRPr lang="en-US" dirty="0"/>
           </a:p>
@@ -2134,7 +2134,7 @@
           <a:p>
             <a:fld id="{F2A3AA98-332B-2448-B3E3-31EE6187E4ED}" type="datetime1">
               <a:rPr lang="en-GB" smtClean="0"/>
-              <a:t>20/04/2018</a:t>
+              <a:t>17/06/18</a:t>
             </a:fld>
             <a:endParaRPr lang="en-US" dirty="0"/>
           </a:p>
@@ -2453,7 +2453,7 @@
           <a:p>
             <a:fld id="{FFA6822B-C6BD-2D44-985F-4ED89B3FB1A4}" type="datetime1">
               <a:rPr lang="en-GB" smtClean="0"/>
-              <a:t>20/04/2018</a:t>
+              <a:t>17/06/18</a:t>
             </a:fld>
             <a:endParaRPr lang="en-US" dirty="0"/>
           </a:p>
@@ -2851,7 +2851,7 @@
           <a:p>
             <a:fld id="{4BE267B7-1D37-324C-B488-B7B732E16924}" type="datetime1">
               <a:rPr lang="en-GB" smtClean="0"/>
-              <a:t>20/04/2018</a:t>
+              <a:t>17/06/18</a:t>
             </a:fld>
             <a:endParaRPr lang="en-US" dirty="0"/>
           </a:p>
@@ -3026,7 +3026,7 @@
           <a:p>
             <a:fld id="{211302F0-DFAB-8D4F-BFF8-3868F2B0D003}" type="datetime1">
               <a:rPr lang="en-GB" smtClean="0"/>
-              <a:t>20/04/2018</a:t>
+              <a:t>17/06/18</a:t>
             </a:fld>
             <a:endParaRPr lang="en-US" dirty="0"/>
           </a:p>
@@ -3210,7 +3210,7 @@
           <a:p>
             <a:fld id="{6DB09CD6-C504-764C-831B-40A5A1613CAD}" type="datetime1">
               <a:rPr lang="en-GB" smtClean="0"/>
-              <a:t>20/04/2018</a:t>
+              <a:t>17/06/18</a:t>
             </a:fld>
             <a:endParaRPr lang="en-US" dirty="0"/>
           </a:p>
@@ -3384,7 +3384,7 @@
           <a:p>
             <a:fld id="{DFF27738-0281-B94E-9CC3-FBC35A129B25}" type="datetime1">
               <a:rPr lang="en-GB" smtClean="0"/>
-              <a:t>20/04/2018</a:t>
+              <a:t>17/06/18</a:t>
             </a:fld>
             <a:endParaRPr lang="en-US" dirty="0"/>
           </a:p>
@@ -3635,7 +3635,7 @@
           <a:p>
             <a:fld id="{2FD008C6-A9F9-5344-9F0A-391F002CB3C9}" type="datetime1">
               <a:rPr lang="en-GB" smtClean="0"/>
-              <a:t>20/04/2018</a:t>
+              <a:t>17/06/18</a:t>
             </a:fld>
             <a:endParaRPr lang="en-US" dirty="0"/>
           </a:p>
@@ -3871,7 +3871,7 @@
           <a:p>
             <a:fld id="{50177067-7B87-E445-8D6B-AB3DA4357DBB}" type="datetime1">
               <a:rPr lang="en-GB" smtClean="0"/>
-              <a:t>20/04/2018</a:t>
+              <a:t>17/06/18</a:t>
             </a:fld>
             <a:endParaRPr lang="en-US" dirty="0"/>
           </a:p>
@@ -3935,7 +3935,7 @@
   </p:clrMapOvr>
   <p:extLst mod="1">
     <p:ext uri="{DCECCB84-F9BA-43D5-87BE-67443E8EF086}">
-      <p15:sldGuideLst xmlns:p15="http://schemas.microsoft.com/office/powerpoint/2012/main"/>
+      <p15:sldGuideLst xmlns:p15="http://schemas.microsoft.com/office/powerpoint/2012/main" xmlns=""/>
     </p:ext>
   </p:extLst>
 </p:sldLayout>
@@ -4254,7 +4254,7 @@
           <a:p>
             <a:fld id="{940A4F73-BCB3-6743-B566-E53A36B909FD}" type="datetime1">
               <a:rPr lang="en-GB" smtClean="0"/>
-              <a:t>20/04/2018</a:t>
+              <a:t>17/06/18</a:t>
             </a:fld>
             <a:endParaRPr lang="en-US" dirty="0"/>
           </a:p>
@@ -4318,7 +4318,7 @@
   </p:clrMapOvr>
   <p:extLst mod="1">
     <p:ext uri="{DCECCB84-F9BA-43D5-87BE-67443E8EF086}">
-      <p15:sldGuideLst xmlns:p15="http://schemas.microsoft.com/office/powerpoint/2012/main"/>
+      <p15:sldGuideLst xmlns:p15="http://schemas.microsoft.com/office/powerpoint/2012/main" xmlns=""/>
     </p:ext>
   </p:extLst>
 </p:sldLayout>
@@ -4386,7 +4386,7 @@
           <a:p>
             <a:fld id="{B85DEBA3-46B3-934A-9EF3-7EA966171831}" type="datetime1">
               <a:rPr lang="en-GB" smtClean="0"/>
-              <a:t>20/04/2018</a:t>
+              <a:t>17/06/18</a:t>
             </a:fld>
             <a:endParaRPr lang="en-US" dirty="0"/>
           </a:p>
@@ -4485,7 +4485,7 @@
           <a:p>
             <a:fld id="{270E9FE0-F740-D943-AE8D-EBA067AB999D}" type="datetime1">
               <a:rPr lang="en-GB" smtClean="0"/>
-              <a:t>20/04/2018</a:t>
+              <a:t>17/06/18</a:t>
             </a:fld>
             <a:endParaRPr lang="en-US" dirty="0"/>
           </a:p>
@@ -4744,7 +4744,7 @@
           <a:p>
             <a:fld id="{037F7F8E-23A7-1F42-B36D-426B7E151AD6}" type="datetime1">
               <a:rPr lang="en-GB" smtClean="0"/>
-              <a:t>20/04/2018</a:t>
+              <a:t>17/06/18</a:t>
             </a:fld>
             <a:endParaRPr lang="en-US" dirty="0"/>
           </a:p>
@@ -4808,7 +4808,7 @@
   </p:clrMapOvr>
   <p:extLst mod="1">
     <p:ext uri="{DCECCB84-F9BA-43D5-87BE-67443E8EF086}">
-      <p15:sldGuideLst xmlns:p15="http://schemas.microsoft.com/office/powerpoint/2012/main"/>
+      <p15:sldGuideLst xmlns:p15="http://schemas.microsoft.com/office/powerpoint/2012/main" xmlns=""/>
     </p:ext>
   </p:extLst>
 </p:sldLayout>
@@ -5062,7 +5062,7 @@
           <a:p>
             <a:fld id="{96B637AE-A09E-0D40-83B1-C9A55F4386D6}" type="datetime1">
               <a:rPr lang="en-GB" smtClean="0"/>
-              <a:t>20/04/2018</a:t>
+              <a:t>17/06/18</a:t>
             </a:fld>
             <a:endParaRPr lang="en-US" dirty="0"/>
           </a:p>
@@ -5764,7 +5764,7 @@
           <a:p>
             <a:fld id="{E3D1E069-569C-4E43-A803-1FEBD5975C9E}" type="datetime1">
               <a:rPr lang="en-GB" smtClean="0"/>
-              <a:t>20/04/2018</a:t>
+              <a:t>17/06/18</a:t>
             </a:fld>
             <a:endParaRPr lang="en-US" dirty="0"/>
           </a:p>
@@ -6276,7 +6276,7 @@
   </p:txStyles>
   <p:extLst mod="1">
     <p:ext uri="{27BBF7A9-308A-43DC-89C8-2F10F3537804}">
-      <p15:sldGuideLst xmlns:p15="http://schemas.microsoft.com/office/powerpoint/2012/main"/>
+      <p15:sldGuideLst xmlns:p15="http://schemas.microsoft.com/office/powerpoint/2012/main" xmlns=""/>
     </p:ext>
   </p:extLst>
 </p:sldMaster>
@@ -6304,7 +6304,7 @@
           <p:cNvPr id="2" name="Title 1">
             <a:extLst>
               <a:ext uri="{FF2B5EF4-FFF2-40B4-BE49-F238E27FC236}">
-                <a16:creationId xmlns:a16="http://schemas.microsoft.com/office/drawing/2014/main" id="{89F10A4A-AEA5-0C43-942E-F424AE9378CD}"/>
+                <a16:creationId xmlns:a16="http://schemas.microsoft.com/office/drawing/2014/main" xmlns="" id="{89F10A4A-AEA5-0C43-942E-F424AE9378CD}"/>
               </a:ext>
             </a:extLst>
           </p:cNvPr>
@@ -6332,7 +6332,7 @@
           <p:cNvPr id="3" name="Subtitle 2">
             <a:extLst>
               <a:ext uri="{FF2B5EF4-FFF2-40B4-BE49-F238E27FC236}">
-                <a16:creationId xmlns:a16="http://schemas.microsoft.com/office/drawing/2014/main" id="{0E0A6D87-9CD4-304D-BAD7-CA017FD88470}"/>
+                <a16:creationId xmlns:a16="http://schemas.microsoft.com/office/drawing/2014/main" xmlns="" id="{0E0A6D87-9CD4-304D-BAD7-CA017FD88470}"/>
               </a:ext>
             </a:extLst>
           </p:cNvPr>
@@ -6362,7 +6362,7 @@
           <p:cNvPr id="4" name="Footer Placeholder 3">
             <a:extLst>
               <a:ext uri="{FF2B5EF4-FFF2-40B4-BE49-F238E27FC236}">
-                <a16:creationId xmlns:a16="http://schemas.microsoft.com/office/drawing/2014/main" id="{460F7E17-9384-E74C-A9D2-3CF2D564E65B}"/>
+                <a16:creationId xmlns:a16="http://schemas.microsoft.com/office/drawing/2014/main" xmlns="" id="{460F7E17-9384-E74C-A9D2-3CF2D564E65B}"/>
               </a:ext>
             </a:extLst>
           </p:cNvPr>
@@ -6424,7 +6424,7 @@
           <p:cNvPr id="2" name="Title 1">
             <a:extLst>
               <a:ext uri="{FF2B5EF4-FFF2-40B4-BE49-F238E27FC236}">
-                <a16:creationId xmlns:a16="http://schemas.microsoft.com/office/drawing/2014/main" id="{A2CF3FF7-E42D-EE4A-8958-048CC909A512}"/>
+                <a16:creationId xmlns:a16="http://schemas.microsoft.com/office/drawing/2014/main" xmlns="" id="{A2CF3FF7-E42D-EE4A-8958-048CC909A512}"/>
               </a:ext>
             </a:extLst>
           </p:cNvPr>
@@ -6452,7 +6452,7 @@
           <p:cNvPr id="5" name="Content Placeholder 4">
             <a:extLst>
               <a:ext uri="{FF2B5EF4-FFF2-40B4-BE49-F238E27FC236}">
-                <a16:creationId xmlns:a16="http://schemas.microsoft.com/office/drawing/2014/main" id="{35D87BFA-A226-814F-80C5-A153030CF0B4}"/>
+                <a16:creationId xmlns:a16="http://schemas.microsoft.com/office/drawing/2014/main" xmlns="" id="{35D87BFA-A226-814F-80C5-A153030CF0B4}"/>
               </a:ext>
             </a:extLst>
           </p:cNvPr>
@@ -6477,7 +6477,7 @@
           <p:cNvPr id="3" name="Footer Placeholder 2">
             <a:extLst>
               <a:ext uri="{FF2B5EF4-FFF2-40B4-BE49-F238E27FC236}">
-                <a16:creationId xmlns:a16="http://schemas.microsoft.com/office/drawing/2014/main" id="{B48E3599-9A9E-7746-BECE-49E8072962B3}"/>
+                <a16:creationId xmlns:a16="http://schemas.microsoft.com/office/drawing/2014/main" xmlns="" id="{B48E3599-9A9E-7746-BECE-49E8072962B3}"/>
               </a:ext>
             </a:extLst>
           </p:cNvPr>
@@ -6536,7 +6536,7 @@
           <p:cNvPr id="3" name="Content Placeholder 2">
             <a:extLst>
               <a:ext uri="{FF2B5EF4-FFF2-40B4-BE49-F238E27FC236}">
-                <a16:creationId xmlns:a16="http://schemas.microsoft.com/office/drawing/2014/main" id="{04DEB7F0-5CB3-C04D-8BCE-A4D7A5851C05}"/>
+                <a16:creationId xmlns:a16="http://schemas.microsoft.com/office/drawing/2014/main" xmlns="" id="{04DEB7F0-5CB3-C04D-8BCE-A4D7A5851C05}"/>
               </a:ext>
             </a:extLst>
           </p:cNvPr>
@@ -6591,7 +6591,7 @@
           <p:cNvPr id="2" name="Title 1">
             <a:extLst>
               <a:ext uri="{FF2B5EF4-FFF2-40B4-BE49-F238E27FC236}">
-                <a16:creationId xmlns:a16="http://schemas.microsoft.com/office/drawing/2014/main" id="{8C038BFE-52E0-F449-8BCD-718C589FDAA1}"/>
+                <a16:creationId xmlns:a16="http://schemas.microsoft.com/office/drawing/2014/main" xmlns="" id="{8C038BFE-52E0-F449-8BCD-718C589FDAA1}"/>
               </a:ext>
             </a:extLst>
           </p:cNvPr>
@@ -6619,7 +6619,7 @@
           <p:cNvPr id="4" name="Footer Placeholder 3">
             <a:extLst>
               <a:ext uri="{FF2B5EF4-FFF2-40B4-BE49-F238E27FC236}">
-                <a16:creationId xmlns:a16="http://schemas.microsoft.com/office/drawing/2014/main" id="{B68ED106-AAE3-F543-8DA1-98B18E0F67B6}"/>
+                <a16:creationId xmlns:a16="http://schemas.microsoft.com/office/drawing/2014/main" xmlns="" id="{B68ED106-AAE3-F543-8DA1-98B18E0F67B6}"/>
               </a:ext>
             </a:extLst>
           </p:cNvPr>
@@ -6678,7 +6678,7 @@
           <p:cNvPr id="2" name="Title 1">
             <a:extLst>
               <a:ext uri="{FF2B5EF4-FFF2-40B4-BE49-F238E27FC236}">
-                <a16:creationId xmlns:a16="http://schemas.microsoft.com/office/drawing/2014/main" id="{7A16956F-B673-7E49-BABD-E7CA149212BD}"/>
+                <a16:creationId xmlns:a16="http://schemas.microsoft.com/office/drawing/2014/main" xmlns="" id="{7A16956F-B673-7E49-BABD-E7CA149212BD}"/>
               </a:ext>
             </a:extLst>
           </p:cNvPr>
@@ -6706,7 +6706,7 @@
           <p:cNvPr id="3" name="Content Placeholder 2">
             <a:extLst>
               <a:ext uri="{FF2B5EF4-FFF2-40B4-BE49-F238E27FC236}">
-                <a16:creationId xmlns:a16="http://schemas.microsoft.com/office/drawing/2014/main" id="{06B9572B-1696-1047-89B6-573AE8104050}"/>
+                <a16:creationId xmlns:a16="http://schemas.microsoft.com/office/drawing/2014/main" xmlns="" id="{06B9572B-1696-1047-89B6-573AE8104050}"/>
               </a:ext>
             </a:extLst>
           </p:cNvPr>
@@ -6823,7 +6823,7 @@
           <p:cNvPr id="4" name="Footer Placeholder 3">
             <a:extLst>
               <a:ext uri="{FF2B5EF4-FFF2-40B4-BE49-F238E27FC236}">
-                <a16:creationId xmlns:a16="http://schemas.microsoft.com/office/drawing/2014/main" id="{4B5F23D2-40F7-644D-8CAB-D16B395DE912}"/>
+                <a16:creationId xmlns:a16="http://schemas.microsoft.com/office/drawing/2014/main" xmlns="" id="{4B5F23D2-40F7-644D-8CAB-D16B395DE912}"/>
               </a:ext>
             </a:extLst>
           </p:cNvPr>
@@ -6882,7 +6882,7 @@
           <p:cNvPr id="2" name="Title 1">
             <a:extLst>
               <a:ext uri="{FF2B5EF4-FFF2-40B4-BE49-F238E27FC236}">
-                <a16:creationId xmlns:a16="http://schemas.microsoft.com/office/drawing/2014/main" id="{7A16956F-B673-7E49-BABD-E7CA149212BD}"/>
+                <a16:creationId xmlns:a16="http://schemas.microsoft.com/office/drawing/2014/main" xmlns="" id="{7A16956F-B673-7E49-BABD-E7CA149212BD}"/>
               </a:ext>
             </a:extLst>
           </p:cNvPr>
@@ -6910,7 +6910,7 @@
           <p:cNvPr id="3" name="Content Placeholder 2">
             <a:extLst>
               <a:ext uri="{FF2B5EF4-FFF2-40B4-BE49-F238E27FC236}">
-                <a16:creationId xmlns:a16="http://schemas.microsoft.com/office/drawing/2014/main" id="{06B9572B-1696-1047-89B6-573AE8104050}"/>
+                <a16:creationId xmlns:a16="http://schemas.microsoft.com/office/drawing/2014/main" xmlns="" id="{06B9572B-1696-1047-89B6-573AE8104050}"/>
               </a:ext>
             </a:extLst>
           </p:cNvPr>
@@ -7052,7 +7052,7 @@
           <p:cNvPr id="4" name="Footer Placeholder 3">
             <a:extLst>
               <a:ext uri="{FF2B5EF4-FFF2-40B4-BE49-F238E27FC236}">
-                <a16:creationId xmlns:a16="http://schemas.microsoft.com/office/drawing/2014/main" id="{4B5F23D2-40F7-644D-8CAB-D16B395DE912}"/>
+                <a16:creationId xmlns:a16="http://schemas.microsoft.com/office/drawing/2014/main" xmlns="" id="{4B5F23D2-40F7-644D-8CAB-D16B395DE912}"/>
               </a:ext>
             </a:extLst>
           </p:cNvPr>
@@ -7111,7 +7111,7 @@
           <p:cNvPr id="2" name="Title 1">
             <a:extLst>
               <a:ext uri="{FF2B5EF4-FFF2-40B4-BE49-F238E27FC236}">
-                <a16:creationId xmlns:a16="http://schemas.microsoft.com/office/drawing/2014/main" id="{7A16956F-B673-7E49-BABD-E7CA149212BD}"/>
+                <a16:creationId xmlns:a16="http://schemas.microsoft.com/office/drawing/2014/main" xmlns="" id="{7A16956F-B673-7E49-BABD-E7CA149212BD}"/>
               </a:ext>
             </a:extLst>
           </p:cNvPr>
@@ -7139,7 +7139,7 @@
           <p:cNvPr id="3" name="Content Placeholder 2">
             <a:extLst>
               <a:ext uri="{FF2B5EF4-FFF2-40B4-BE49-F238E27FC236}">
-                <a16:creationId xmlns:a16="http://schemas.microsoft.com/office/drawing/2014/main" id="{06B9572B-1696-1047-89B6-573AE8104050}"/>
+                <a16:creationId xmlns:a16="http://schemas.microsoft.com/office/drawing/2014/main" xmlns="" id="{06B9572B-1696-1047-89B6-573AE8104050}"/>
               </a:ext>
             </a:extLst>
           </p:cNvPr>
@@ -7281,7 +7281,7 @@
           <p:cNvPr id="4" name="Footer Placeholder 3">
             <a:extLst>
               <a:ext uri="{FF2B5EF4-FFF2-40B4-BE49-F238E27FC236}">
-                <a16:creationId xmlns:a16="http://schemas.microsoft.com/office/drawing/2014/main" id="{4B5F23D2-40F7-644D-8CAB-D16B395DE912}"/>
+                <a16:creationId xmlns:a16="http://schemas.microsoft.com/office/drawing/2014/main" xmlns="" id="{4B5F23D2-40F7-644D-8CAB-D16B395DE912}"/>
               </a:ext>
             </a:extLst>
           </p:cNvPr>
@@ -7340,7 +7340,7 @@
           <p:cNvPr id="2" name="Title 1">
             <a:extLst>
               <a:ext uri="{FF2B5EF4-FFF2-40B4-BE49-F238E27FC236}">
-                <a16:creationId xmlns:a16="http://schemas.microsoft.com/office/drawing/2014/main" id="{B70DE05B-665C-8848-8D6D-B58F620A1A4A}"/>
+                <a16:creationId xmlns:a16="http://schemas.microsoft.com/office/drawing/2014/main" xmlns="" id="{B70DE05B-665C-8848-8D6D-B58F620A1A4A}"/>
               </a:ext>
             </a:extLst>
           </p:cNvPr>
@@ -7376,7 +7376,7 @@
           <p:cNvPr id="3" name="Content Placeholder 2">
             <a:extLst>
               <a:ext uri="{FF2B5EF4-FFF2-40B4-BE49-F238E27FC236}">
-                <a16:creationId xmlns:a16="http://schemas.microsoft.com/office/drawing/2014/main" id="{ED0B751D-7ADA-464A-BD63-FD14D53805FC}"/>
+                <a16:creationId xmlns:a16="http://schemas.microsoft.com/office/drawing/2014/main" xmlns="" id="{ED0B751D-7ADA-464A-BD63-FD14D53805FC}"/>
               </a:ext>
             </a:extLst>
           </p:cNvPr>
@@ -7443,7 +7443,7 @@
           <p:cNvPr id="4" name="Footer Placeholder 3">
             <a:extLst>
               <a:ext uri="{FF2B5EF4-FFF2-40B4-BE49-F238E27FC236}">
-                <a16:creationId xmlns:a16="http://schemas.microsoft.com/office/drawing/2014/main" id="{A6A04812-0973-C64A-86A1-4B8F8870F7A6}"/>
+                <a16:creationId xmlns:a16="http://schemas.microsoft.com/office/drawing/2014/main" xmlns="" id="{A6A04812-0973-C64A-86A1-4B8F8870F7A6}"/>
               </a:ext>
             </a:extLst>
           </p:cNvPr>
@@ -7502,7 +7502,7 @@
           <p:cNvPr id="2" name="Title 1">
             <a:extLst>
               <a:ext uri="{FF2B5EF4-FFF2-40B4-BE49-F238E27FC236}">
-                <a16:creationId xmlns:a16="http://schemas.microsoft.com/office/drawing/2014/main" id="{A2CF3FF7-E42D-EE4A-8958-048CC909A512}"/>
+                <a16:creationId xmlns:a16="http://schemas.microsoft.com/office/drawing/2014/main" xmlns="" id="{A2CF3FF7-E42D-EE4A-8958-048CC909A512}"/>
               </a:ext>
             </a:extLst>
           </p:cNvPr>
@@ -7530,7 +7530,7 @@
           <p:cNvPr id="3" name="Content Placeholder 2">
             <a:extLst>
               <a:ext uri="{FF2B5EF4-FFF2-40B4-BE49-F238E27FC236}">
-                <a16:creationId xmlns:a16="http://schemas.microsoft.com/office/drawing/2014/main" id="{5F60452E-D9DF-854B-8320-E3C991EF1581}"/>
+                <a16:creationId xmlns:a16="http://schemas.microsoft.com/office/drawing/2014/main" xmlns="" id="{5F60452E-D9DF-854B-8320-E3C991EF1581}"/>
               </a:ext>
             </a:extLst>
           </p:cNvPr>
@@ -7648,7 +7648,7 @@
           <p:cNvPr id="4" name="Footer Placeholder 3">
             <a:extLst>
               <a:ext uri="{FF2B5EF4-FFF2-40B4-BE49-F238E27FC236}">
-                <a16:creationId xmlns:a16="http://schemas.microsoft.com/office/drawing/2014/main" id="{4108BE77-1622-EE41-8D1E-E2615ECA0FC5}"/>
+                <a16:creationId xmlns:a16="http://schemas.microsoft.com/office/drawing/2014/main" xmlns="" id="{4108BE77-1622-EE41-8D1E-E2615ECA0FC5}"/>
               </a:ext>
             </a:extLst>
           </p:cNvPr>
@@ -7707,7 +7707,7 @@
           <p:cNvPr id="2" name="Title 1">
             <a:extLst>
               <a:ext uri="{FF2B5EF4-FFF2-40B4-BE49-F238E27FC236}">
-                <a16:creationId xmlns:a16="http://schemas.microsoft.com/office/drawing/2014/main" id="{A2CF3FF7-E42D-EE4A-8958-048CC909A512}"/>
+                <a16:creationId xmlns:a16="http://schemas.microsoft.com/office/drawing/2014/main" xmlns="" id="{A2CF3FF7-E42D-EE4A-8958-048CC909A512}"/>
               </a:ext>
             </a:extLst>
           </p:cNvPr>
@@ -7736,7 +7736,7 @@
           <p:cNvPr id="3" name="Content Placeholder 2">
             <a:extLst>
               <a:ext uri="{FF2B5EF4-FFF2-40B4-BE49-F238E27FC236}">
-                <a16:creationId xmlns:a16="http://schemas.microsoft.com/office/drawing/2014/main" id="{5F60452E-D9DF-854B-8320-E3C991EF1581}"/>
+                <a16:creationId xmlns:a16="http://schemas.microsoft.com/office/drawing/2014/main" xmlns="" id="{5F60452E-D9DF-854B-8320-E3C991EF1581}"/>
               </a:ext>
             </a:extLst>
           </p:cNvPr>
@@ -7892,7 +7892,7 @@
           <p:cNvPr id="4" name="Footer Placeholder 3">
             <a:extLst>
               <a:ext uri="{FF2B5EF4-FFF2-40B4-BE49-F238E27FC236}">
-                <a16:creationId xmlns:a16="http://schemas.microsoft.com/office/drawing/2014/main" id="{496B0F75-BBB9-0E40-9897-5A9FF653E2B8}"/>
+                <a16:creationId xmlns:a16="http://schemas.microsoft.com/office/drawing/2014/main" xmlns="" id="{496B0F75-BBB9-0E40-9897-5A9FF653E2B8}"/>
               </a:ext>
             </a:extLst>
           </p:cNvPr>
@@ -7951,7 +7951,7 @@
           <p:cNvPr id="2" name="Title 1">
             <a:extLst>
               <a:ext uri="{FF2B5EF4-FFF2-40B4-BE49-F238E27FC236}">
-                <a16:creationId xmlns:a16="http://schemas.microsoft.com/office/drawing/2014/main" id="{A2CF3FF7-E42D-EE4A-8958-048CC909A512}"/>
+                <a16:creationId xmlns:a16="http://schemas.microsoft.com/office/drawing/2014/main" xmlns="" id="{A2CF3FF7-E42D-EE4A-8958-048CC909A512}"/>
               </a:ext>
             </a:extLst>
           </p:cNvPr>
@@ -7979,7 +7979,7 @@
           <p:cNvPr id="3" name="Content Placeholder 2">
             <a:extLst>
               <a:ext uri="{FF2B5EF4-FFF2-40B4-BE49-F238E27FC236}">
-                <a16:creationId xmlns:a16="http://schemas.microsoft.com/office/drawing/2014/main" id="{5F60452E-D9DF-854B-8320-E3C991EF1581}"/>
+                <a16:creationId xmlns:a16="http://schemas.microsoft.com/office/drawing/2014/main" xmlns="" id="{5F60452E-D9DF-854B-8320-E3C991EF1581}"/>
               </a:ext>
             </a:extLst>
           </p:cNvPr>
@@ -8115,7 +8115,7 @@
           <p:cNvPr id="4" name="Footer Placeholder 3">
             <a:extLst>
               <a:ext uri="{FF2B5EF4-FFF2-40B4-BE49-F238E27FC236}">
-                <a16:creationId xmlns:a16="http://schemas.microsoft.com/office/drawing/2014/main" id="{1DFEBD0A-4FDC-AE4E-875F-0DBADCBE3931}"/>
+                <a16:creationId xmlns:a16="http://schemas.microsoft.com/office/drawing/2014/main" xmlns="" id="{1DFEBD0A-4FDC-AE4E-875F-0DBADCBE3931}"/>
               </a:ext>
             </a:extLst>
           </p:cNvPr>
@@ -8174,7 +8174,7 @@
           <p:cNvPr id="2" name="Title 1">
             <a:extLst>
               <a:ext uri="{FF2B5EF4-FFF2-40B4-BE49-F238E27FC236}">
-                <a16:creationId xmlns:a16="http://schemas.microsoft.com/office/drawing/2014/main" id="{8C038BFE-52E0-F449-8BCD-718C589FDAA1}"/>
+                <a16:creationId xmlns:a16="http://schemas.microsoft.com/office/drawing/2014/main" xmlns="" id="{8C038BFE-52E0-F449-8BCD-718C589FDAA1}"/>
               </a:ext>
             </a:extLst>
           </p:cNvPr>
@@ -8202,7 +8202,7 @@
           <p:cNvPr id="3" name="Content Placeholder 2">
             <a:extLst>
               <a:ext uri="{FF2B5EF4-FFF2-40B4-BE49-F238E27FC236}">
-                <a16:creationId xmlns:a16="http://schemas.microsoft.com/office/drawing/2014/main" id="{04DEB7F0-5CB3-C04D-8BCE-A4D7A5851C05}"/>
+                <a16:creationId xmlns:a16="http://schemas.microsoft.com/office/drawing/2014/main" xmlns="" id="{04DEB7F0-5CB3-C04D-8BCE-A4D7A5851C05}"/>
               </a:ext>
             </a:extLst>
           </p:cNvPr>
@@ -8289,7 +8289,7 @@
           <p:cNvPr id="4" name="Footer Placeholder 3">
             <a:extLst>
               <a:ext uri="{FF2B5EF4-FFF2-40B4-BE49-F238E27FC236}">
-                <a16:creationId xmlns:a16="http://schemas.microsoft.com/office/drawing/2014/main" id="{9A7701ED-82A3-A742-A028-74F1B6512C21}"/>
+                <a16:creationId xmlns:a16="http://schemas.microsoft.com/office/drawing/2014/main" xmlns="" id="{9A7701ED-82A3-A742-A028-74F1B6512C21}"/>
               </a:ext>
             </a:extLst>
           </p:cNvPr>
@@ -8348,7 +8348,7 @@
           <p:cNvPr id="3" name="Content Placeholder 2">
             <a:extLst>
               <a:ext uri="{FF2B5EF4-FFF2-40B4-BE49-F238E27FC236}">
-                <a16:creationId xmlns:a16="http://schemas.microsoft.com/office/drawing/2014/main" id="{04DEB7F0-5CB3-C04D-8BCE-A4D7A5851C05}"/>
+                <a16:creationId xmlns:a16="http://schemas.microsoft.com/office/drawing/2014/main" xmlns="" id="{04DEB7F0-5CB3-C04D-8BCE-A4D7A5851C05}"/>
               </a:ext>
             </a:extLst>
           </p:cNvPr>
@@ -8425,7 +8425,7 @@
           <p:cNvPr id="2" name="Title 1">
             <a:extLst>
               <a:ext uri="{FF2B5EF4-FFF2-40B4-BE49-F238E27FC236}">
-                <a16:creationId xmlns:a16="http://schemas.microsoft.com/office/drawing/2014/main" id="{8C038BFE-52E0-F449-8BCD-718C589FDAA1}"/>
+                <a16:creationId xmlns:a16="http://schemas.microsoft.com/office/drawing/2014/main" xmlns="" id="{8C038BFE-52E0-F449-8BCD-718C589FDAA1}"/>
               </a:ext>
             </a:extLst>
           </p:cNvPr>
@@ -8453,7 +8453,7 @@
           <p:cNvPr id="4" name="Footer Placeholder 3">
             <a:extLst>
               <a:ext uri="{FF2B5EF4-FFF2-40B4-BE49-F238E27FC236}">
-                <a16:creationId xmlns:a16="http://schemas.microsoft.com/office/drawing/2014/main" id="{8DF577C5-2DF2-674F-B77F-A545CB504580}"/>
+                <a16:creationId xmlns:a16="http://schemas.microsoft.com/office/drawing/2014/main" xmlns="" id="{8DF577C5-2DF2-674F-B77F-A545CB504580}"/>
               </a:ext>
             </a:extLst>
           </p:cNvPr>
@@ -8512,7 +8512,7 @@
           <p:cNvPr id="3" name="Content Placeholder 2">
             <a:extLst>
               <a:ext uri="{FF2B5EF4-FFF2-40B4-BE49-F238E27FC236}">
-                <a16:creationId xmlns:a16="http://schemas.microsoft.com/office/drawing/2014/main" id="{04DEB7F0-5CB3-C04D-8BCE-A4D7A5851C05}"/>
+                <a16:creationId xmlns:a16="http://schemas.microsoft.com/office/drawing/2014/main" xmlns="" id="{04DEB7F0-5CB3-C04D-8BCE-A4D7A5851C05}"/>
               </a:ext>
             </a:extLst>
           </p:cNvPr>
@@ -8542,7 +8542,7 @@
           <p:cNvPr id="2" name="Title 1">
             <a:extLst>
               <a:ext uri="{FF2B5EF4-FFF2-40B4-BE49-F238E27FC236}">
-                <a16:creationId xmlns:a16="http://schemas.microsoft.com/office/drawing/2014/main" id="{8C038BFE-52E0-F449-8BCD-718C589FDAA1}"/>
+                <a16:creationId xmlns:a16="http://schemas.microsoft.com/office/drawing/2014/main" xmlns="" id="{8C038BFE-52E0-F449-8BCD-718C589FDAA1}"/>
               </a:ext>
             </a:extLst>
           </p:cNvPr>
@@ -8578,7 +8578,7 @@
           <p:cNvPr id="4" name="Footer Placeholder 3">
             <a:extLst>
               <a:ext uri="{FF2B5EF4-FFF2-40B4-BE49-F238E27FC236}">
-                <a16:creationId xmlns:a16="http://schemas.microsoft.com/office/drawing/2014/main" id="{60B7161E-164F-8B49-873F-E3E47637370A}"/>
+                <a16:creationId xmlns:a16="http://schemas.microsoft.com/office/drawing/2014/main" xmlns="" id="{60B7161E-164F-8B49-873F-E3E47637370A}"/>
               </a:ext>
             </a:extLst>
           </p:cNvPr>
@@ -8637,7 +8637,7 @@
           <p:cNvPr id="2" name="Title 1">
             <a:extLst>
               <a:ext uri="{FF2B5EF4-FFF2-40B4-BE49-F238E27FC236}">
-                <a16:creationId xmlns:a16="http://schemas.microsoft.com/office/drawing/2014/main" id="{A2CF3FF7-E42D-EE4A-8958-048CC909A512}"/>
+                <a16:creationId xmlns:a16="http://schemas.microsoft.com/office/drawing/2014/main" xmlns="" id="{A2CF3FF7-E42D-EE4A-8958-048CC909A512}"/>
               </a:ext>
             </a:extLst>
           </p:cNvPr>
@@ -8665,7 +8665,7 @@
           <p:cNvPr id="3" name="Content Placeholder 2">
             <a:extLst>
               <a:ext uri="{FF2B5EF4-FFF2-40B4-BE49-F238E27FC236}">
-                <a16:creationId xmlns:a16="http://schemas.microsoft.com/office/drawing/2014/main" id="{5F60452E-D9DF-854B-8320-E3C991EF1581}"/>
+                <a16:creationId xmlns:a16="http://schemas.microsoft.com/office/drawing/2014/main" xmlns="" id="{5F60452E-D9DF-854B-8320-E3C991EF1581}"/>
               </a:ext>
             </a:extLst>
           </p:cNvPr>
@@ -8830,7 +8830,7 @@
           <p:cNvPr id="4" name="Footer Placeholder 3">
             <a:extLst>
               <a:ext uri="{FF2B5EF4-FFF2-40B4-BE49-F238E27FC236}">
-                <a16:creationId xmlns:a16="http://schemas.microsoft.com/office/drawing/2014/main" id="{39B442BE-98D9-1A4C-8E46-73898097954C}"/>
+                <a16:creationId xmlns:a16="http://schemas.microsoft.com/office/drawing/2014/main" xmlns="" id="{39B442BE-98D9-1A4C-8E46-73898097954C}"/>
               </a:ext>
             </a:extLst>
           </p:cNvPr>
@@ -8910,7 +8910,7 @@
     </a:clrScheme>
     <a:fontScheme name="Facet">
       <a:majorFont>
-        <a:latin typeface="Trebuchet MS" panose="020B0603020202020204"/>
+        <a:latin typeface="Trebuchet MS"/>
         <a:ea typeface=""/>
         <a:cs typeface=""/>
         <a:font script="Jpan" typeface="メイリオ"/>
@@ -8945,7 +8945,7 @@
         <a:font script="Geor" typeface="Sylfaen"/>
       </a:majorFont>
       <a:minorFont>
-        <a:latin typeface="Trebuchet MS" panose="020B0603020202020204"/>
+        <a:latin typeface="Trebuchet MS"/>
         <a:ea typeface=""/>
         <a:cs typeface=""/>
         <a:font script="Jpan" typeface="メイリオ"/>
@@ -9118,7 +9118,7 @@
   <a:extraClrSchemeLst/>
   <a:extLst>
     <a:ext uri="{05A4C25C-085E-4340-85A3-A5531E510DB2}">
-      <thm15:themeFamily xmlns:thm15="http://schemas.microsoft.com/office/thememl/2012/main" name="Facet" id="{C0C680CD-088A-49FC-A102-D699147F32B2}" vid="{0B5AB586-D108-4FC1-8368-649FE654B894}"/>
+      <thm15:themeFamily xmlns:thm15="http://schemas.microsoft.com/office/thememl/2012/main" xmlns="" name="Facet" id="{C0C680CD-088A-49FC-A102-D699147F32B2}" vid="{0B5AB586-D108-4FC1-8368-649FE654B894}"/>
     </a:ext>
   </a:extLst>
 </a:theme>
@@ -9167,7 +9167,7 @@
     </a:clrScheme>
     <a:fontScheme name="Office">
       <a:majorFont>
-        <a:latin typeface="Calibri Light" panose="020F0302020204030204"/>
+        <a:latin typeface="Calibri Light"/>
         <a:ea typeface=""/>
         <a:cs typeface=""/>
         <a:font script="Jpan" typeface="游ゴシック Light"/>
@@ -9219,7 +9219,7 @@
         <a:font script="Tfng" typeface="Ebrima"/>
       </a:majorFont>
       <a:minorFont>
-        <a:latin typeface="Calibri" panose="020F0502020204030204"/>
+        <a:latin typeface="Calibri"/>
         <a:ea typeface=""/>
         <a:cs typeface=""/>
         <a:font script="Jpan" typeface="游ゴシック"/>
@@ -9413,7 +9413,7 @@
   <a:extraClrSchemeLst/>
   <a:extLst>
     <a:ext uri="{05A4C25C-085E-4340-85A3-A5531E510DB2}">
-      <thm15:themeFamily xmlns:thm15="http://schemas.microsoft.com/office/thememl/2012/main" name="Office Theme" id="{62F939B6-93AF-4DB8-9C6B-D6C7DFDC589F}" vid="{4A3C46E8-61CC-4603-A589-7422A47A8E4A}"/>
+      <thm15:themeFamily xmlns:thm15="http://schemas.microsoft.com/office/thememl/2012/main" xmlns="" name="Office Theme" id="{62F939B6-93AF-4DB8-9C6B-D6C7DFDC589F}" vid="{4A3C46E8-61CC-4603-A589-7422A47A8E4A}"/>
     </a:ext>
   </a:extLst>
 </a:theme>
